--- a/VACARE产品发布会.pptx
+++ b/VACARE产品发布会.pptx
@@ -391,7 +391,7 @@
           <a:p>
             <a:fld id="{10D9D6B9-4F51-444E-B7F9-94A297AAF03F}" type="datetimeFigureOut">
               <a:rPr lang="zh-HK" altLang="en-US" smtClean="0"/>
-              <a:t>10/5/2020</a:t>
+              <a:t>11/5/2020</a:t>
             </a:fld>
             <a:endParaRPr lang="zh-HK" altLang="en-US"/>
           </a:p>
@@ -864,7 +864,7 @@
           <a:p>
             <a:fld id="{76EF31D4-1AA4-45E7-8F10-C007A9A6DDB0}" type="datetimeFigureOut">
               <a:rPr lang="zh-HK" altLang="en-US" smtClean="0"/>
-              <a:t>10/5/2020</a:t>
+              <a:t>11/5/2020</a:t>
             </a:fld>
             <a:endParaRPr lang="zh-HK" altLang="en-US"/>
           </a:p>
@@ -1029,7 +1029,7 @@
           <a:p>
             <a:fld id="{76EF31D4-1AA4-45E7-8F10-C007A9A6DDB0}" type="datetimeFigureOut">
               <a:rPr lang="zh-HK" altLang="en-US" smtClean="0"/>
-              <a:t>10/5/2020</a:t>
+              <a:t>11/5/2020</a:t>
             </a:fld>
             <a:endParaRPr lang="zh-HK" altLang="en-US"/>
           </a:p>
@@ -1204,7 +1204,7 @@
           <a:p>
             <a:fld id="{76EF31D4-1AA4-45E7-8F10-C007A9A6DDB0}" type="datetimeFigureOut">
               <a:rPr lang="zh-HK" altLang="en-US" smtClean="0"/>
-              <a:t>10/5/2020</a:t>
+              <a:t>11/5/2020</a:t>
             </a:fld>
             <a:endParaRPr lang="zh-HK" altLang="en-US"/>
           </a:p>
@@ -1369,7 +1369,7 @@
           <a:p>
             <a:fld id="{76EF31D4-1AA4-45E7-8F10-C007A9A6DDB0}" type="datetimeFigureOut">
               <a:rPr lang="zh-HK" altLang="en-US" smtClean="0"/>
-              <a:t>10/5/2020</a:t>
+              <a:t>11/5/2020</a:t>
             </a:fld>
             <a:endParaRPr lang="zh-HK" altLang="en-US"/>
           </a:p>
@@ -1610,7 +1610,7 @@
           <a:p>
             <a:fld id="{76EF31D4-1AA4-45E7-8F10-C007A9A6DDB0}" type="datetimeFigureOut">
               <a:rPr lang="zh-HK" altLang="en-US" smtClean="0"/>
-              <a:t>10/5/2020</a:t>
+              <a:t>11/5/2020</a:t>
             </a:fld>
             <a:endParaRPr lang="zh-HK" altLang="en-US"/>
           </a:p>
@@ -1837,7 +1837,7 @@
           <a:p>
             <a:fld id="{76EF31D4-1AA4-45E7-8F10-C007A9A6DDB0}" type="datetimeFigureOut">
               <a:rPr lang="zh-HK" altLang="en-US" smtClean="0"/>
-              <a:t>10/5/2020</a:t>
+              <a:t>11/5/2020</a:t>
             </a:fld>
             <a:endParaRPr lang="zh-HK" altLang="en-US"/>
           </a:p>
@@ -2199,7 +2199,7 @@
           <a:p>
             <a:fld id="{76EF31D4-1AA4-45E7-8F10-C007A9A6DDB0}" type="datetimeFigureOut">
               <a:rPr lang="zh-HK" altLang="en-US" smtClean="0"/>
-              <a:t>10/5/2020</a:t>
+              <a:t>11/5/2020</a:t>
             </a:fld>
             <a:endParaRPr lang="zh-HK" altLang="en-US"/>
           </a:p>
@@ -2312,7 +2312,7 @@
           <a:p>
             <a:fld id="{76EF31D4-1AA4-45E7-8F10-C007A9A6DDB0}" type="datetimeFigureOut">
               <a:rPr lang="zh-HK" altLang="en-US" smtClean="0"/>
-              <a:t>10/5/2020</a:t>
+              <a:t>11/5/2020</a:t>
             </a:fld>
             <a:endParaRPr lang="zh-HK" altLang="en-US"/>
           </a:p>
@@ -2402,7 +2402,7 @@
           <a:p>
             <a:fld id="{76EF31D4-1AA4-45E7-8F10-C007A9A6DDB0}" type="datetimeFigureOut">
               <a:rPr lang="zh-HK" altLang="en-US" smtClean="0"/>
-              <a:t>10/5/2020</a:t>
+              <a:t>11/5/2020</a:t>
             </a:fld>
             <a:endParaRPr lang="zh-HK" altLang="en-US"/>
           </a:p>
@@ -2674,7 +2674,7 @@
           <a:p>
             <a:fld id="{76EF31D4-1AA4-45E7-8F10-C007A9A6DDB0}" type="datetimeFigureOut">
               <a:rPr lang="zh-HK" altLang="en-US" smtClean="0"/>
-              <a:t>10/5/2020</a:t>
+              <a:t>11/5/2020</a:t>
             </a:fld>
             <a:endParaRPr lang="zh-HK" altLang="en-US"/>
           </a:p>
@@ -2922,7 +2922,7 @@
           <a:p>
             <a:fld id="{76EF31D4-1AA4-45E7-8F10-C007A9A6DDB0}" type="datetimeFigureOut">
               <a:rPr lang="zh-HK" altLang="en-US" smtClean="0"/>
-              <a:t>10/5/2020</a:t>
+              <a:t>11/5/2020</a:t>
             </a:fld>
             <a:endParaRPr lang="zh-HK" altLang="en-US"/>
           </a:p>
@@ -3133,7 +3133,7 @@
           <a:p>
             <a:fld id="{76EF31D4-1AA4-45E7-8F10-C007A9A6DDB0}" type="datetimeFigureOut">
               <a:rPr lang="zh-HK" altLang="en-US" smtClean="0"/>
-              <a:t>10/5/2020</a:t>
+              <a:t>11/5/2020</a:t>
             </a:fld>
             <a:endParaRPr lang="zh-HK" altLang="en-US"/>
           </a:p>
@@ -3583,7 +3583,7 @@
                 <a:latin typeface="Arial Black" panose="020B0A04020102020204" charset="0"/>
                 <a:ea typeface="方正粗黑宋简体" panose="02000000000000000000" charset="-122"/>
               </a:rPr>
-              <a:t>产品发布会</a:t>
+              <a:t>产品立项会</a:t>
             </a:r>
           </a:p>
         </p:txBody>
@@ -11319,7 +11319,7 @@
         </p:nvSpPr>
         <p:spPr>
           <a:xfrm>
-            <a:off x="2217420" y="2104572"/>
+            <a:off x="2026920" y="2375158"/>
             <a:ext cx="8793480" cy="1569660"/>
           </a:xfrm>
           <a:prstGeom prst="rect">
@@ -11393,7 +11393,7 @@
         </p:nvSpPr>
         <p:spPr>
           <a:xfrm>
-            <a:off x="2217420" y="3971389"/>
+            <a:off x="2026920" y="4134835"/>
             <a:ext cx="8793480" cy="830997"/>
           </a:xfrm>
           <a:prstGeom prst="rect">
@@ -11488,7 +11488,7 @@
                 <a:latin typeface="张海山锐谐体2.0-授权联系：Samtype@QQ.com" panose="02000000000000000000" pitchFamily="2" charset="-122"/>
                 <a:ea typeface="张海山锐谐体2.0-授权联系：Samtype@QQ.com" panose="02000000000000000000" pitchFamily="2" charset="-122"/>
               </a:rPr>
-              <a:t>查询疫苗安全性</a:t>
+              <a:t>疫苗安全</a:t>
             </a:r>
             <a:endParaRPr lang="zh-HK" altLang="en-US" sz="2800" dirty="0">
               <a:solidFill>
@@ -11867,7 +11867,7 @@
                 <a:latin typeface="张海山锐谐体2.0-授权联系：Samtype@QQ.com" panose="02000000000000000000" pitchFamily="2" charset="-122"/>
                 <a:ea typeface="张海山锐谐体2.0-授权联系：Samtype@QQ.com" panose="02000000000000000000" pitchFamily="2" charset="-122"/>
               </a:rPr>
-              <a:t>中国疾病预防控制中心、中国疫苗和免疫网并不是专门针对疫苗设立，删选信息需要很长时间，使用并不方便。</a:t>
+              <a:t>中国疾病预防控制中心、中国疫苗和免疫网并不是专门针对疫苗设立，筛选信息需要很长时间，使用并不方便。</a:t>
             </a:r>
             <a:endParaRPr lang="en-US" altLang="zh-CN" sz="2000" dirty="0">
               <a:solidFill>
@@ -12984,7 +12984,7 @@
                 <a:latin typeface="张海山锐谐体2.0-授权联系：Samtype@QQ.com" panose="02000000000000000000" pitchFamily="2" charset="-122"/>
                 <a:ea typeface="张海山锐谐体2.0-授权联系：Samtype@QQ.com" panose="02000000000000000000" pitchFamily="2" charset="-122"/>
               </a:rPr>
-              <a:t>，瞄准成年人与二类疫苗接种市场，帮助成年人记录查询。</a:t>
+              <a:t>，将关注成年人与二类疫苗接种市场，帮助成年人记录查询。</a:t>
             </a:r>
             <a:endParaRPr lang="zh-CN" altLang="en-US" dirty="0"/>
           </a:p>
@@ -15656,7 +15656,7 @@
         <p:spPr>
           <a:xfrm>
             <a:off x="1884680" y="2349500"/>
-            <a:ext cx="8510905" cy="829945"/>
+            <a:ext cx="8510905" cy="830997"/>
           </a:xfrm>
           <a:prstGeom prst="rect">
             <a:avLst/>
@@ -15679,7 +15679,7 @@
                 </a:solidFill>
                 <a:ea typeface="张海山锐谐体2.0-授权联系：Samtype@QQ.com" panose="02000000000000000000"/>
               </a:rPr>
-              <a:t>根据疫苗名称、疫苗批号、生产企业查询到生产厂家和有效期等详细信息</a:t>
+              <a:t>根据疫苗名称、疫苗批号、生产企业查询到有效期、部门批示等详细信息</a:t>
             </a:r>
           </a:p>
         </p:txBody>
@@ -15707,7 +15707,7 @@
           <a:lstStyle/>
           <a:p>
             <a:r>
-              <a:rPr lang="en-US" altLang="zh-CN" sz="3200">
+              <a:rPr lang="en-US" altLang="zh-CN" sz="3200" dirty="0">
                 <a:solidFill>
                   <a:schemeClr val="tx1">
                     <a:lumMod val="75000"/>
@@ -15719,7 +15719,7 @@
               <a:t>2</a:t>
             </a:r>
             <a:r>
-              <a:rPr lang="zh-CN" altLang="en-US" sz="3200">
+              <a:rPr lang="zh-CN" altLang="en-US" sz="3200" dirty="0">
                 <a:solidFill>
                   <a:schemeClr val="tx1">
                     <a:lumMod val="75000"/>
@@ -15728,7 +15728,7 @@
                 </a:solidFill>
                 <a:ea typeface="张海山锐谐体2.0-授权联系：Samtype@QQ.com" panose="02000000000000000000"/>
               </a:rPr>
-              <a:t>、我的电子疫苗本</a:t>
+              <a:t>、电子疫苗本</a:t>
             </a:r>
           </a:p>
         </p:txBody>
@@ -16683,7 +16683,7 @@
                 </a:solidFill>
                 <a:ea typeface="张海山锐谐体2.0-授权联系：Samtype@QQ.com" panose="02000000000000000000"/>
               </a:rPr>
-              <a:t>疫苗要去哪里注射，你知道吗？我们为用户标记当地防疫站的位置，提供防疫站的信息，便于用户更加方便地进行防疫活动。</a:t>
+              <a:t>疫苗要去哪里注射，你知道吗？我们为用户标记当地防疫站的位置，提供防疫站的详细信息，便于用户更加方便地进行防疫活动。</a:t>
             </a:r>
             <a:endParaRPr kumimoji="0" lang="zh-CN" altLang="en-US" sz="2000" b="0" i="0" u="none" strike="noStrike" kern="1200" cap="none" spc="0" normalizeH="0" baseline="0" noProof="0" dirty="0">
               <a:ln>
@@ -19853,10 +19853,10 @@
       </p:sp>
       <p:pic>
         <p:nvPicPr>
-          <p:cNvPr id="6" name="图片 5">
+          <p:cNvPr id="7" name="图片 6">
             <a:extLst>
               <a:ext uri="{FF2B5EF4-FFF2-40B4-BE49-F238E27FC236}">
-                <a16:creationId xmlns:a16="http://schemas.microsoft.com/office/drawing/2014/main" id="{3D571A91-52E0-4767-8E34-801928EDC149}"/>
+                <a16:creationId xmlns:a16="http://schemas.microsoft.com/office/drawing/2014/main" id="{F9D4E39C-E936-42AE-8BDE-45CAD45F320C}"/>
               </a:ext>
             </a:extLst>
           </p:cNvPr>
@@ -19879,8 +19879,8 @@
         </p:blipFill>
         <p:spPr>
           <a:xfrm>
-            <a:off x="295933" y="1989443"/>
-            <a:ext cx="11600133" cy="2450581"/>
+            <a:off x="770782" y="2110499"/>
+            <a:ext cx="10650436" cy="2467319"/>
           </a:xfrm>
           <a:prstGeom prst="rect">
             <a:avLst/>
@@ -23593,7 +23593,7 @@
                 <a:latin typeface="张海山锐谐体2.0-授权联系：Samtype@QQ.com" panose="02000000000000000000" pitchFamily="2" charset="-122"/>
                 <a:ea typeface="张海山锐谐体2.0-授权联系：Samtype@QQ.com" panose="02000000000000000000" pitchFamily="2" charset="-122"/>
               </a:rPr>
-              <a:t>针对当前人们疫苗知识的匮乏以及疫苗健康的社会关注度越来越高的现状</a:t>
+              <a:t>针对当前人们疫苗知识的不足以及疫苗安全的社会关注度越来越高的现状</a:t>
             </a:r>
           </a:p>
         </p:txBody>
@@ -23761,7 +23761,7 @@
                 <a:latin typeface="张海山锐谐体2.0-授权联系：Samtype@QQ.com" panose="02000000000000000000" pitchFamily="2" charset="-122"/>
                 <a:ea typeface="张海山锐谐体2.0-授权联系：Samtype@QQ.com" panose="02000000000000000000" pitchFamily="2" charset="-122"/>
               </a:rPr>
-              <a:t>某些对疫苗相关有需求的家庭或个人，尤其是成年人群体</a:t>
+              <a:t>对关注疫苗安全疫苗知识以及有防疫需求的家庭或个人，尤其是成年人群体</a:t>
             </a:r>
           </a:p>
         </p:txBody>
@@ -23908,7 +23908,7 @@
         <p:spPr>
           <a:xfrm>
             <a:off x="6919679" y="5303835"/>
-            <a:ext cx="4517571" cy="707886"/>
+            <a:ext cx="4517571" cy="1015663"/>
           </a:xfrm>
           <a:prstGeom prst="rect">
             <a:avLst/>
@@ -23929,7 +23929,7 @@
                 <a:latin typeface="张海山锐谐体2.0-授权联系：Samtype@QQ.com" panose="02000000000000000000" pitchFamily="2" charset="-122"/>
                 <a:ea typeface="张海山锐谐体2.0-授权联系：Samtype@QQ.com" panose="02000000000000000000" pitchFamily="2" charset="-122"/>
               </a:rPr>
-              <a:t>创建一个提供疫苗知识科普、疫苗相关查询等功能的网站，保障您的疫苗安全</a:t>
+              <a:t>创建一个提供关于疫苗的知识科普、查询记录等功能的网站，保障您的疫苗安全</a:t>
             </a:r>
             <a:endParaRPr lang="zh-HK" altLang="en-US" sz="2000" dirty="0">
               <a:solidFill>
@@ -25045,7 +25045,7 @@
                   <a:latin typeface="张海山锐谐体2.0-授权联系：Samtype@QQ.com" panose="02000000000000000000" pitchFamily="2" charset="-122"/>
                   <a:ea typeface="张海山锐谐体2.0-授权联系：Samtype@QQ.com" panose="02000000000000000000" pitchFamily="2" charset="-122"/>
                 </a:rPr>
-                <a:t>查询疫苗的安全性</a:t>
+                <a:t>疫苗安全</a:t>
               </a:r>
               <a:endParaRPr lang="zh-HK" altLang="en-US" sz="2400" dirty="0">
                 <a:solidFill>

--- a/VACARE产品发布会.pptx
+++ b/VACARE产品发布会.pptx
@@ -391,7 +391,7 @@
           <a:p>
             <a:fld id="{10D9D6B9-4F51-444E-B7F9-94A297AAF03F}" type="datetimeFigureOut">
               <a:rPr lang="zh-HK" altLang="en-US" smtClean="0"/>
-              <a:t>11/5/2020</a:t>
+              <a:t>20/5/2020</a:t>
             </a:fld>
             <a:endParaRPr lang="zh-HK" altLang="en-US"/>
           </a:p>
@@ -864,7 +864,7 @@
           <a:p>
             <a:fld id="{76EF31D4-1AA4-45E7-8F10-C007A9A6DDB0}" type="datetimeFigureOut">
               <a:rPr lang="zh-HK" altLang="en-US" smtClean="0"/>
-              <a:t>11/5/2020</a:t>
+              <a:t>20/5/2020</a:t>
             </a:fld>
             <a:endParaRPr lang="zh-HK" altLang="en-US"/>
           </a:p>
@@ -1029,7 +1029,7 @@
           <a:p>
             <a:fld id="{76EF31D4-1AA4-45E7-8F10-C007A9A6DDB0}" type="datetimeFigureOut">
               <a:rPr lang="zh-HK" altLang="en-US" smtClean="0"/>
-              <a:t>11/5/2020</a:t>
+              <a:t>20/5/2020</a:t>
             </a:fld>
             <a:endParaRPr lang="zh-HK" altLang="en-US"/>
           </a:p>
@@ -1204,7 +1204,7 @@
           <a:p>
             <a:fld id="{76EF31D4-1AA4-45E7-8F10-C007A9A6DDB0}" type="datetimeFigureOut">
               <a:rPr lang="zh-HK" altLang="en-US" smtClean="0"/>
-              <a:t>11/5/2020</a:t>
+              <a:t>20/5/2020</a:t>
             </a:fld>
             <a:endParaRPr lang="zh-HK" altLang="en-US"/>
           </a:p>
@@ -1369,7 +1369,7 @@
           <a:p>
             <a:fld id="{76EF31D4-1AA4-45E7-8F10-C007A9A6DDB0}" type="datetimeFigureOut">
               <a:rPr lang="zh-HK" altLang="en-US" smtClean="0"/>
-              <a:t>11/5/2020</a:t>
+              <a:t>20/5/2020</a:t>
             </a:fld>
             <a:endParaRPr lang="zh-HK" altLang="en-US"/>
           </a:p>
@@ -1610,7 +1610,7 @@
           <a:p>
             <a:fld id="{76EF31D4-1AA4-45E7-8F10-C007A9A6DDB0}" type="datetimeFigureOut">
               <a:rPr lang="zh-HK" altLang="en-US" smtClean="0"/>
-              <a:t>11/5/2020</a:t>
+              <a:t>20/5/2020</a:t>
             </a:fld>
             <a:endParaRPr lang="zh-HK" altLang="en-US"/>
           </a:p>
@@ -1837,7 +1837,7 @@
           <a:p>
             <a:fld id="{76EF31D4-1AA4-45E7-8F10-C007A9A6DDB0}" type="datetimeFigureOut">
               <a:rPr lang="zh-HK" altLang="en-US" smtClean="0"/>
-              <a:t>11/5/2020</a:t>
+              <a:t>20/5/2020</a:t>
             </a:fld>
             <a:endParaRPr lang="zh-HK" altLang="en-US"/>
           </a:p>
@@ -2199,7 +2199,7 @@
           <a:p>
             <a:fld id="{76EF31D4-1AA4-45E7-8F10-C007A9A6DDB0}" type="datetimeFigureOut">
               <a:rPr lang="zh-HK" altLang="en-US" smtClean="0"/>
-              <a:t>11/5/2020</a:t>
+              <a:t>20/5/2020</a:t>
             </a:fld>
             <a:endParaRPr lang="zh-HK" altLang="en-US"/>
           </a:p>
@@ -2312,7 +2312,7 @@
           <a:p>
             <a:fld id="{76EF31D4-1AA4-45E7-8F10-C007A9A6DDB0}" type="datetimeFigureOut">
               <a:rPr lang="zh-HK" altLang="en-US" smtClean="0"/>
-              <a:t>11/5/2020</a:t>
+              <a:t>20/5/2020</a:t>
             </a:fld>
             <a:endParaRPr lang="zh-HK" altLang="en-US"/>
           </a:p>
@@ -2402,7 +2402,7 @@
           <a:p>
             <a:fld id="{76EF31D4-1AA4-45E7-8F10-C007A9A6DDB0}" type="datetimeFigureOut">
               <a:rPr lang="zh-HK" altLang="en-US" smtClean="0"/>
-              <a:t>11/5/2020</a:t>
+              <a:t>20/5/2020</a:t>
             </a:fld>
             <a:endParaRPr lang="zh-HK" altLang="en-US"/>
           </a:p>
@@ -2674,7 +2674,7 @@
           <a:p>
             <a:fld id="{76EF31D4-1AA4-45E7-8F10-C007A9A6DDB0}" type="datetimeFigureOut">
               <a:rPr lang="zh-HK" altLang="en-US" smtClean="0"/>
-              <a:t>11/5/2020</a:t>
+              <a:t>20/5/2020</a:t>
             </a:fld>
             <a:endParaRPr lang="zh-HK" altLang="en-US"/>
           </a:p>
@@ -2922,7 +2922,7 @@
           <a:p>
             <a:fld id="{76EF31D4-1AA4-45E7-8F10-C007A9A6DDB0}" type="datetimeFigureOut">
               <a:rPr lang="zh-HK" altLang="en-US" smtClean="0"/>
-              <a:t>11/5/2020</a:t>
+              <a:t>20/5/2020</a:t>
             </a:fld>
             <a:endParaRPr lang="zh-HK" altLang="en-US"/>
           </a:p>
@@ -3133,7 +3133,7 @@
           <a:p>
             <a:fld id="{76EF31D4-1AA4-45E7-8F10-C007A9A6DDB0}" type="datetimeFigureOut">
               <a:rPr lang="zh-HK" altLang="en-US" smtClean="0"/>
-              <a:t>11/5/2020</a:t>
+              <a:t>20/5/2020</a:t>
             </a:fld>
             <a:endParaRPr lang="zh-HK" altLang="en-US"/>
           </a:p>
@@ -10538,7 +10538,7 @@
         </p:blipFill>
         <p:spPr>
           <a:xfrm>
-            <a:off x="146685" y="341630"/>
+            <a:off x="0" y="360230"/>
             <a:ext cx="4345305" cy="1446530"/>
           </a:xfrm>
           <a:prstGeom prst="rect">
